--- a/2. 데이터베이스 프로그래밍 실습1.pptx
+++ b/2. 데이터베이스 프로그래밍 실습1.pptx
@@ -17,6 +17,9 @@
     <p:sldId id="265" r:id="rId11"/>
     <p:sldId id="266" r:id="rId12"/>
     <p:sldId id="267" r:id="rId13"/>
+    <p:sldId id="268" r:id="rId14"/>
+    <p:sldId id="269" r:id="rId15"/>
+    <p:sldId id="270" r:id="rId16"/>
   </p:sldIdLst>
   <p:sldSz cx="12192000" cy="6858000"/>
   <p:notesSz cx="6858000" cy="9144000"/>
@@ -115,6 +118,11 @@
       </a:defRPr>
     </a:lvl9pPr>
   </p:defaultTextStyle>
+  <p:extLst>
+    <p:ext uri="{EFAFB233-063F-42B5-8137-9DF3F51BA10A}">
+      <p15:sldGuideLst xmlns:p15="http://schemas.microsoft.com/office/powerpoint/2012/main"/>
+    </p:ext>
+  </p:extLst>
 </p:presentation>
 </file>
 
@@ -3659,6 +3667,13 @@
   <p:clrMapOvr>
     <a:masterClrMapping/>
   </p:clrMapOvr>
+  <p:timing>
+    <p:tnLst>
+      <p:par>
+        <p:cTn id="1" dur="indefinite" restart="never" nodeType="tmRoot"/>
+      </p:par>
+    </p:tnLst>
+  </p:timing>
 </p:sld>
 </file>
 
@@ -4034,6 +4049,13 @@
   <p:clrMapOvr>
     <a:masterClrMapping/>
   </p:clrMapOvr>
+  <p:timing>
+    <p:tnLst>
+      <p:par>
+        <p:cTn id="1" dur="indefinite" restart="never" nodeType="tmRoot"/>
+      </p:par>
+    </p:tnLst>
+  </p:timing>
 </p:sld>
 </file>
 
@@ -4439,6 +4461,13 @@
   <p:clrMapOvr>
     <a:masterClrMapping/>
   </p:clrMapOvr>
+  <p:timing>
+    <p:tnLst>
+      <p:par>
+        <p:cTn id="1" dur="indefinite" restart="never" nodeType="tmRoot"/>
+      </p:par>
+    </p:tnLst>
+  </p:timing>
 </p:sld>
 </file>
 
@@ -4692,6 +4721,551 @@
     <p:extLst>
       <p:ext uri="{BB962C8B-B14F-4D97-AF65-F5344CB8AC3E}">
         <p14:creationId xmlns:p14="http://schemas.microsoft.com/office/powerpoint/2010/main" val="2715889145"/>
+      </p:ext>
+    </p:extLst>
+  </p:cSld>
+  <p:clrMapOvr>
+    <a:masterClrMapping/>
+  </p:clrMapOvr>
+  <p:timing>
+    <p:tnLst>
+      <p:par>
+        <p:cTn id="1" dur="indefinite" restart="never" nodeType="tmRoot"/>
+      </p:par>
+    </p:tnLst>
+  </p:timing>
+</p:sld>
+</file>
+
+<file path=ppt/slides/slide13.xml><?xml version="1.0" encoding="utf-8"?>
+<p:sld xmlns:a="http://schemas.openxmlformats.org/drawingml/2006/main" xmlns:r="http://schemas.openxmlformats.org/officeDocument/2006/relationships" xmlns:p="http://schemas.openxmlformats.org/presentationml/2006/main">
+  <p:cSld>
+    <p:spTree>
+      <p:nvGrpSpPr>
+        <p:cNvPr id="1" name=""/>
+        <p:cNvGrpSpPr/>
+        <p:nvPr/>
+      </p:nvGrpSpPr>
+      <p:grpSpPr>
+        <a:xfrm>
+          <a:off x="0" y="0"/>
+          <a:ext cx="0" cy="0"/>
+          <a:chOff x="0" y="0"/>
+          <a:chExt cx="0" cy="0"/>
+        </a:xfrm>
+      </p:grpSpPr>
+      <p:sp>
+        <p:nvSpPr>
+          <p:cNvPr id="2" name="제목 1"/>
+          <p:cNvSpPr>
+            <a:spLocks noGrp="1"/>
+          </p:cNvSpPr>
+          <p:nvPr>
+            <p:ph type="title"/>
+          </p:nvPr>
+        </p:nvSpPr>
+        <p:spPr/>
+        <p:txBody>
+          <a:bodyPr/>
+          <a:lstStyle/>
+          <a:p>
+            <a:r>
+              <a:rPr lang="en-US" altLang="ko-KR" dirty="0" smtClean="0"/>
+              <a:t>07. DB </a:t>
+            </a:r>
+            <a:r>
+              <a:rPr lang="ko-KR" altLang="en-US" dirty="0" err="1" smtClean="0"/>
+              <a:t>인코딩</a:t>
+            </a:r>
+            <a:r>
+              <a:rPr lang="ko-KR" altLang="en-US" dirty="0" smtClean="0"/>
+              <a:t> 변경</a:t>
+            </a:r>
+            <a:endParaRPr lang="ko-KR" altLang="en-US" dirty="0"/>
+          </a:p>
+        </p:txBody>
+      </p:sp>
+      <p:pic>
+        <p:nvPicPr>
+          <p:cNvPr id="4" name="내용 개체 틀 3"/>
+          <p:cNvPicPr>
+            <a:picLocks noGrp="1" noChangeAspect="1"/>
+          </p:cNvPicPr>
+          <p:nvPr>
+            <p:ph idx="1"/>
+          </p:nvPr>
+        </p:nvPicPr>
+        <p:blipFill>
+          <a:blip r:embed="rId2"/>
+          <a:stretch>
+            <a:fillRect/>
+          </a:stretch>
+        </p:blipFill>
+        <p:spPr>
+          <a:xfrm>
+            <a:off x="838200" y="1993630"/>
+            <a:ext cx="10930810" cy="875507"/>
+          </a:xfrm>
+          <a:prstGeom prst="rect">
+            <a:avLst/>
+          </a:prstGeom>
+        </p:spPr>
+      </p:pic>
+      <p:cxnSp>
+        <p:nvCxnSpPr>
+          <p:cNvPr id="5" name="직선 연결선 4">
+            <a:extLst>
+              <a:ext uri="{FF2B5EF4-FFF2-40B4-BE49-F238E27FC236}">
+                <a16:creationId xmlns:a16="http://schemas.microsoft.com/office/drawing/2014/main" id="{39512BBA-9F00-4A36-BE08-E90A5CC53FD2}"/>
+              </a:ext>
+            </a:extLst>
+          </p:cNvPr>
+          <p:cNvCxnSpPr>
+            <a:cxnSpLocks/>
+          </p:cNvCxnSpPr>
+          <p:nvPr/>
+        </p:nvCxnSpPr>
+        <p:spPr>
+          <a:xfrm>
+            <a:off x="385894" y="1543574"/>
+            <a:ext cx="11207691" cy="0"/>
+          </a:xfrm>
+          <a:prstGeom prst="line">
+            <a:avLst/>
+          </a:prstGeom>
+          <a:ln w="57150">
+            <a:solidFill>
+              <a:srgbClr val="FFC000"/>
+            </a:solidFill>
+          </a:ln>
+        </p:spPr>
+        <p:style>
+          <a:lnRef idx="1">
+            <a:schemeClr val="accent1"/>
+          </a:lnRef>
+          <a:fillRef idx="0">
+            <a:schemeClr val="accent1"/>
+          </a:fillRef>
+          <a:effectRef idx="0">
+            <a:schemeClr val="accent1"/>
+          </a:effectRef>
+          <a:fontRef idx="minor">
+            <a:schemeClr val="tx1"/>
+          </a:fontRef>
+        </p:style>
+      </p:cxnSp>
+      <p:cxnSp>
+        <p:nvCxnSpPr>
+          <p:cNvPr id="6" name="직선 연결선 5">
+            <a:extLst>
+              <a:ext uri="{FF2B5EF4-FFF2-40B4-BE49-F238E27FC236}">
+                <a16:creationId xmlns:a16="http://schemas.microsoft.com/office/drawing/2014/main" id="{80469AC4-648F-47BB-B806-8E630ACA8036}"/>
+              </a:ext>
+            </a:extLst>
+          </p:cNvPr>
+          <p:cNvCxnSpPr/>
+          <p:nvPr/>
+        </p:nvCxnSpPr>
+        <p:spPr>
+          <a:xfrm>
+            <a:off x="704675" y="612396"/>
+            <a:ext cx="0" cy="5880683"/>
+          </a:xfrm>
+          <a:prstGeom prst="line">
+            <a:avLst/>
+          </a:prstGeom>
+          <a:ln w="12700">
+            <a:solidFill>
+              <a:schemeClr val="accent6">
+                <a:lumMod val="60000"/>
+                <a:lumOff val="40000"/>
+              </a:schemeClr>
+            </a:solidFill>
+          </a:ln>
+        </p:spPr>
+        <p:style>
+          <a:lnRef idx="1">
+            <a:schemeClr val="accent1"/>
+          </a:lnRef>
+          <a:fillRef idx="0">
+            <a:schemeClr val="accent1"/>
+          </a:fillRef>
+          <a:effectRef idx="0">
+            <a:schemeClr val="accent1"/>
+          </a:effectRef>
+          <a:fontRef idx="minor">
+            <a:schemeClr val="tx1"/>
+          </a:fontRef>
+        </p:style>
+      </p:cxnSp>
+    </p:spTree>
+    <p:extLst>
+      <p:ext uri="{BB962C8B-B14F-4D97-AF65-F5344CB8AC3E}">
+        <p14:creationId xmlns:p14="http://schemas.microsoft.com/office/powerpoint/2010/main" val="1743633305"/>
+      </p:ext>
+    </p:extLst>
+  </p:cSld>
+  <p:clrMapOvr>
+    <a:masterClrMapping/>
+  </p:clrMapOvr>
+</p:sld>
+</file>
+
+<file path=ppt/slides/slide14.xml><?xml version="1.0" encoding="utf-8"?>
+<p:sld xmlns:a="http://schemas.openxmlformats.org/drawingml/2006/main" xmlns:r="http://schemas.openxmlformats.org/officeDocument/2006/relationships" xmlns:p="http://schemas.openxmlformats.org/presentationml/2006/main">
+  <p:cSld>
+    <p:spTree>
+      <p:nvGrpSpPr>
+        <p:cNvPr id="1" name=""/>
+        <p:cNvGrpSpPr/>
+        <p:nvPr/>
+      </p:nvGrpSpPr>
+      <p:grpSpPr>
+        <a:xfrm>
+          <a:off x="0" y="0"/>
+          <a:ext cx="0" cy="0"/>
+          <a:chOff x="0" y="0"/>
+          <a:chExt cx="0" cy="0"/>
+        </a:xfrm>
+      </p:grpSpPr>
+      <p:sp>
+        <p:nvSpPr>
+          <p:cNvPr id="2" name="제목 1"/>
+          <p:cNvSpPr>
+            <a:spLocks noGrp="1"/>
+          </p:cNvSpPr>
+          <p:nvPr>
+            <p:ph type="title"/>
+          </p:nvPr>
+        </p:nvSpPr>
+        <p:spPr/>
+        <p:txBody>
+          <a:bodyPr/>
+          <a:lstStyle/>
+          <a:p>
+            <a:r>
+              <a:rPr lang="en-US" altLang="ko-KR" dirty="0" smtClean="0"/>
+              <a:t>07. DB </a:t>
+            </a:r>
+            <a:r>
+              <a:rPr lang="ko-KR" altLang="en-US" dirty="0" smtClean="0"/>
+              <a:t>테이블 만들기</a:t>
+            </a:r>
+            <a:endParaRPr lang="ko-KR" altLang="en-US" dirty="0"/>
+          </a:p>
+        </p:txBody>
+      </p:sp>
+      <p:pic>
+        <p:nvPicPr>
+          <p:cNvPr id="4" name="내용 개체 틀 3"/>
+          <p:cNvPicPr>
+            <a:picLocks noGrp="1" noChangeAspect="1"/>
+          </p:cNvPicPr>
+          <p:nvPr>
+            <p:ph idx="1"/>
+          </p:nvPr>
+        </p:nvPicPr>
+        <p:blipFill>
+          <a:blip r:embed="rId2"/>
+          <a:stretch>
+            <a:fillRect/>
+          </a:stretch>
+        </p:blipFill>
+        <p:spPr>
+          <a:xfrm>
+            <a:off x="1023457" y="1981993"/>
+            <a:ext cx="10892318" cy="1061245"/>
+          </a:xfrm>
+          <a:prstGeom prst="rect">
+            <a:avLst/>
+          </a:prstGeom>
+        </p:spPr>
+      </p:pic>
+      <p:cxnSp>
+        <p:nvCxnSpPr>
+          <p:cNvPr id="5" name="직선 연결선 4">
+            <a:extLst>
+              <a:ext uri="{FF2B5EF4-FFF2-40B4-BE49-F238E27FC236}">
+                <a16:creationId xmlns:a16="http://schemas.microsoft.com/office/drawing/2014/main" id="{39512BBA-9F00-4A36-BE08-E90A5CC53FD2}"/>
+              </a:ext>
+            </a:extLst>
+          </p:cNvPr>
+          <p:cNvCxnSpPr>
+            <a:cxnSpLocks/>
+          </p:cNvCxnSpPr>
+          <p:nvPr/>
+        </p:nvCxnSpPr>
+        <p:spPr>
+          <a:xfrm>
+            <a:off x="385894" y="1543574"/>
+            <a:ext cx="11207691" cy="0"/>
+          </a:xfrm>
+          <a:prstGeom prst="line">
+            <a:avLst/>
+          </a:prstGeom>
+          <a:ln w="57150">
+            <a:solidFill>
+              <a:srgbClr val="FFC000"/>
+            </a:solidFill>
+          </a:ln>
+        </p:spPr>
+        <p:style>
+          <a:lnRef idx="1">
+            <a:schemeClr val="accent1"/>
+          </a:lnRef>
+          <a:fillRef idx="0">
+            <a:schemeClr val="accent1"/>
+          </a:fillRef>
+          <a:effectRef idx="0">
+            <a:schemeClr val="accent1"/>
+          </a:effectRef>
+          <a:fontRef idx="minor">
+            <a:schemeClr val="tx1"/>
+          </a:fontRef>
+        </p:style>
+      </p:cxnSp>
+      <p:cxnSp>
+        <p:nvCxnSpPr>
+          <p:cNvPr id="6" name="직선 연결선 5">
+            <a:extLst>
+              <a:ext uri="{FF2B5EF4-FFF2-40B4-BE49-F238E27FC236}">
+                <a16:creationId xmlns:a16="http://schemas.microsoft.com/office/drawing/2014/main" id="{80469AC4-648F-47BB-B806-8E630ACA8036}"/>
+              </a:ext>
+            </a:extLst>
+          </p:cNvPr>
+          <p:cNvCxnSpPr/>
+          <p:nvPr/>
+        </p:nvCxnSpPr>
+        <p:spPr>
+          <a:xfrm>
+            <a:off x="704675" y="612396"/>
+            <a:ext cx="0" cy="5880683"/>
+          </a:xfrm>
+          <a:prstGeom prst="line">
+            <a:avLst/>
+          </a:prstGeom>
+          <a:ln w="12700">
+            <a:solidFill>
+              <a:schemeClr val="accent6">
+                <a:lumMod val="60000"/>
+                <a:lumOff val="40000"/>
+              </a:schemeClr>
+            </a:solidFill>
+          </a:ln>
+        </p:spPr>
+        <p:style>
+          <a:lnRef idx="1">
+            <a:schemeClr val="accent1"/>
+          </a:lnRef>
+          <a:fillRef idx="0">
+            <a:schemeClr val="accent1"/>
+          </a:fillRef>
+          <a:effectRef idx="0">
+            <a:schemeClr val="accent1"/>
+          </a:effectRef>
+          <a:fontRef idx="minor">
+            <a:schemeClr val="tx1"/>
+          </a:fontRef>
+        </p:style>
+      </p:cxnSp>
+    </p:spTree>
+    <p:extLst>
+      <p:ext uri="{BB962C8B-B14F-4D97-AF65-F5344CB8AC3E}">
+        <p14:creationId xmlns:p14="http://schemas.microsoft.com/office/powerpoint/2010/main" val="2823060358"/>
+      </p:ext>
+    </p:extLst>
+  </p:cSld>
+  <p:clrMapOvr>
+    <a:masterClrMapping/>
+  </p:clrMapOvr>
+</p:sld>
+</file>
+
+<file path=ppt/slides/slide15.xml><?xml version="1.0" encoding="utf-8"?>
+<p:sld xmlns:a="http://schemas.openxmlformats.org/drawingml/2006/main" xmlns:r="http://schemas.openxmlformats.org/officeDocument/2006/relationships" xmlns:p="http://schemas.openxmlformats.org/presentationml/2006/main">
+  <p:cSld>
+    <p:spTree>
+      <p:nvGrpSpPr>
+        <p:cNvPr id="1" name=""/>
+        <p:cNvGrpSpPr/>
+        <p:nvPr/>
+      </p:nvGrpSpPr>
+      <p:grpSpPr>
+        <a:xfrm>
+          <a:off x="0" y="0"/>
+          <a:ext cx="0" cy="0"/>
+          <a:chOff x="0" y="0"/>
+          <a:chExt cx="0" cy="0"/>
+        </a:xfrm>
+      </p:grpSpPr>
+      <p:sp>
+        <p:nvSpPr>
+          <p:cNvPr id="2" name="제목 1"/>
+          <p:cNvSpPr>
+            <a:spLocks noGrp="1"/>
+          </p:cNvSpPr>
+          <p:nvPr>
+            <p:ph type="title"/>
+          </p:nvPr>
+        </p:nvSpPr>
+        <p:spPr/>
+        <p:txBody>
+          <a:bodyPr/>
+          <a:lstStyle/>
+          <a:p>
+            <a:r>
+              <a:rPr lang="en-US" altLang="ko-KR" dirty="0" smtClean="0"/>
+              <a:t>07. </a:t>
+            </a:r>
+            <a:r>
+              <a:rPr lang="ko-KR" altLang="en-US" dirty="0" smtClean="0"/>
+              <a:t>테이블에 레코드 입력</a:t>
+            </a:r>
+            <a:endParaRPr lang="ko-KR" altLang="en-US" dirty="0"/>
+          </a:p>
+        </p:txBody>
+      </p:sp>
+      <p:pic>
+        <p:nvPicPr>
+          <p:cNvPr id="4" name="내용 개체 틀 3"/>
+          <p:cNvPicPr>
+            <a:picLocks noGrp="1" noChangeAspect="1"/>
+          </p:cNvPicPr>
+          <p:nvPr>
+            <p:ph idx="1"/>
+          </p:nvPr>
+        </p:nvPicPr>
+        <p:blipFill>
+          <a:blip r:embed="rId2"/>
+          <a:stretch>
+            <a:fillRect/>
+          </a:stretch>
+        </p:blipFill>
+        <p:spPr>
+          <a:xfrm>
+            <a:off x="1023457" y="1834355"/>
+            <a:ext cx="10575435" cy="1280319"/>
+          </a:xfrm>
+          <a:prstGeom prst="rect">
+            <a:avLst/>
+          </a:prstGeom>
+        </p:spPr>
+      </p:pic>
+      <p:cxnSp>
+        <p:nvCxnSpPr>
+          <p:cNvPr id="5" name="직선 연결선 4">
+            <a:extLst>
+              <a:ext uri="{FF2B5EF4-FFF2-40B4-BE49-F238E27FC236}">
+                <a16:creationId xmlns:a16="http://schemas.microsoft.com/office/drawing/2014/main" id="{39512BBA-9F00-4A36-BE08-E90A5CC53FD2}"/>
+              </a:ext>
+            </a:extLst>
+          </p:cNvPr>
+          <p:cNvCxnSpPr>
+            <a:cxnSpLocks/>
+          </p:cNvCxnSpPr>
+          <p:nvPr/>
+        </p:nvCxnSpPr>
+        <p:spPr>
+          <a:xfrm>
+            <a:off x="385894" y="1543574"/>
+            <a:ext cx="11207691" cy="0"/>
+          </a:xfrm>
+          <a:prstGeom prst="line">
+            <a:avLst/>
+          </a:prstGeom>
+          <a:ln w="57150">
+            <a:solidFill>
+              <a:srgbClr val="FFC000"/>
+            </a:solidFill>
+          </a:ln>
+        </p:spPr>
+        <p:style>
+          <a:lnRef idx="1">
+            <a:schemeClr val="accent1"/>
+          </a:lnRef>
+          <a:fillRef idx="0">
+            <a:schemeClr val="accent1"/>
+          </a:fillRef>
+          <a:effectRef idx="0">
+            <a:schemeClr val="accent1"/>
+          </a:effectRef>
+          <a:fontRef idx="minor">
+            <a:schemeClr val="tx1"/>
+          </a:fontRef>
+        </p:style>
+      </p:cxnSp>
+      <p:cxnSp>
+        <p:nvCxnSpPr>
+          <p:cNvPr id="6" name="직선 연결선 5">
+            <a:extLst>
+              <a:ext uri="{FF2B5EF4-FFF2-40B4-BE49-F238E27FC236}">
+                <a16:creationId xmlns:a16="http://schemas.microsoft.com/office/drawing/2014/main" id="{80469AC4-648F-47BB-B806-8E630ACA8036}"/>
+              </a:ext>
+            </a:extLst>
+          </p:cNvPr>
+          <p:cNvCxnSpPr/>
+          <p:nvPr/>
+        </p:nvCxnSpPr>
+        <p:spPr>
+          <a:xfrm>
+            <a:off x="704675" y="612396"/>
+            <a:ext cx="0" cy="5880683"/>
+          </a:xfrm>
+          <a:prstGeom prst="line">
+            <a:avLst/>
+          </a:prstGeom>
+          <a:ln w="12700">
+            <a:solidFill>
+              <a:schemeClr val="accent6">
+                <a:lumMod val="60000"/>
+                <a:lumOff val="40000"/>
+              </a:schemeClr>
+            </a:solidFill>
+          </a:ln>
+        </p:spPr>
+        <p:style>
+          <a:lnRef idx="1">
+            <a:schemeClr val="accent1"/>
+          </a:lnRef>
+          <a:fillRef idx="0">
+            <a:schemeClr val="accent1"/>
+          </a:fillRef>
+          <a:effectRef idx="0">
+            <a:schemeClr val="accent1"/>
+          </a:effectRef>
+          <a:fontRef idx="minor">
+            <a:schemeClr val="tx1"/>
+          </a:fontRef>
+        </p:style>
+      </p:cxnSp>
+      <p:pic>
+        <p:nvPicPr>
+          <p:cNvPr id="7" name="그림 6"/>
+          <p:cNvPicPr>
+            <a:picLocks noChangeAspect="1"/>
+          </p:cNvPicPr>
+          <p:nvPr/>
+        </p:nvPicPr>
+        <p:blipFill>
+          <a:blip r:embed="rId3"/>
+          <a:stretch>
+            <a:fillRect/>
+          </a:stretch>
+        </p:blipFill>
+        <p:spPr>
+          <a:xfrm>
+            <a:off x="1023456" y="3976687"/>
+            <a:ext cx="10484549" cy="2181226"/>
+          </a:xfrm>
+          <a:prstGeom prst="rect">
+            <a:avLst/>
+          </a:prstGeom>
+        </p:spPr>
+      </p:pic>
+    </p:spTree>
+    <p:extLst>
+      <p:ext uri="{BB962C8B-B14F-4D97-AF65-F5344CB8AC3E}">
+        <p14:creationId xmlns:p14="http://schemas.microsoft.com/office/powerpoint/2010/main" val="304351577"/>
       </p:ext>
     </p:extLst>
   </p:cSld>
@@ -5078,6 +5652,13 @@
   <p:clrMapOvr>
     <a:masterClrMapping/>
   </p:clrMapOvr>
+  <p:timing>
+    <p:tnLst>
+      <p:par>
+        <p:cTn id="1" dur="indefinite" restart="never" nodeType="tmRoot"/>
+      </p:par>
+    </p:tnLst>
+  </p:timing>
 </p:sld>
 </file>
 
@@ -5346,6 +5927,13 @@
   <p:clrMapOvr>
     <a:masterClrMapping/>
   </p:clrMapOvr>
+  <p:timing>
+    <p:tnLst>
+      <p:par>
+        <p:cTn id="1" dur="indefinite" restart="never" nodeType="tmRoot"/>
+      </p:par>
+    </p:tnLst>
+  </p:timing>
 </p:sld>
 </file>
 
@@ -6426,6 +7014,13 @@
   <p:clrMapOvr>
     <a:masterClrMapping/>
   </p:clrMapOvr>
+  <p:timing>
+    <p:tnLst>
+      <p:par>
+        <p:cTn id="1" dur="indefinite" restart="never" nodeType="tmRoot"/>
+      </p:par>
+    </p:tnLst>
+  </p:timing>
 </p:sld>
 </file>
 
@@ -6836,6 +7431,13 @@
   <p:clrMapOvr>
     <a:masterClrMapping/>
   </p:clrMapOvr>
+  <p:timing>
+    <p:tnLst>
+      <p:par>
+        <p:cTn id="1" dur="indefinite" restart="never" nodeType="tmRoot"/>
+      </p:par>
+    </p:tnLst>
+  </p:timing>
 </p:sld>
 </file>
 
@@ -7036,6 +7638,13 @@
   <p:clrMapOvr>
     <a:masterClrMapping/>
   </p:clrMapOvr>
+  <p:timing>
+    <p:tnLst>
+      <p:par>
+        <p:cTn id="1" dur="indefinite" restart="never" nodeType="tmRoot"/>
+      </p:par>
+    </p:tnLst>
+  </p:timing>
 </p:sld>
 </file>
 
@@ -7357,6 +7966,13 @@
   <p:clrMapOvr>
     <a:masterClrMapping/>
   </p:clrMapOvr>
+  <p:timing>
+    <p:tnLst>
+      <p:par>
+        <p:cTn id="1" dur="indefinite" restart="never" nodeType="tmRoot"/>
+      </p:par>
+    </p:tnLst>
+  </p:timing>
 </p:sld>
 </file>
 
@@ -7632,6 +8248,13 @@
   <p:clrMapOvr>
     <a:masterClrMapping/>
   </p:clrMapOvr>
+  <p:timing>
+    <p:tnLst>
+      <p:par>
+        <p:cTn id="1" dur="indefinite" restart="never" nodeType="tmRoot"/>
+      </p:par>
+    </p:tnLst>
+  </p:timing>
 </p:sld>
 </file>
 
@@ -8089,6 +8712,13 @@
   <p:clrMapOvr>
     <a:masterClrMapping/>
   </p:clrMapOvr>
+  <p:timing>
+    <p:tnLst>
+      <p:par>
+        <p:cTn id="1" dur="indefinite" restart="never" nodeType="tmRoot"/>
+      </p:par>
+    </p:tnLst>
+  </p:timing>
 </p:sld>
 </file>
 
